--- a/Dokumente/Präsentation - Gruppe 8.pptx
+++ b/Dokumente/Präsentation - Gruppe 8.pptx
@@ -9,10 +9,13 @@
     <p:sldId id="257" r:id="rId3"/>
     <p:sldId id="258" r:id="rId4"/>
     <p:sldId id="259" r:id="rId5"/>
-    <p:sldId id="262" r:id="rId6"/>
-    <p:sldId id="261" r:id="rId7"/>
-    <p:sldId id="263" r:id="rId8"/>
-    <p:sldId id="260" r:id="rId9"/>
+    <p:sldId id="265" r:id="rId6"/>
+    <p:sldId id="262" r:id="rId7"/>
+    <p:sldId id="261" r:id="rId8"/>
+    <p:sldId id="263" r:id="rId9"/>
+    <p:sldId id="264" r:id="rId10"/>
+    <p:sldId id="266" r:id="rId11"/>
+    <p:sldId id="260" r:id="rId12"/>
   </p:sldIdLst>
   <p:sldSz cx="12192000" cy="6858000"/>
   <p:notesSz cx="6858000" cy="9144000"/>
@@ -111,6 +114,38 @@
       </a:defRPr>
     </a:lvl9pPr>
   </p:defaultTextStyle>
+  <p:extLst>
+    <p:ext uri="{521415D9-36F7-43E2-AB2F-B90AF26B5E84}">
+      <p14:sectionLst xmlns:p14="http://schemas.microsoft.com/office/powerpoint/2010/main">
+        <p14:section name="Anfang" id="{57E024E5-021D-4A53-BCEB-0993EB781C30}">
+          <p14:sldIdLst>
+            <p14:sldId id="256"/>
+            <p14:sldId id="257"/>
+            <p14:sldId id="258"/>
+          </p14:sldIdLst>
+        </p14:section>
+        <p14:section name="Content" id="{40792C99-9366-422D-9255-E6397CE5336A}">
+          <p14:sldIdLst>
+            <p14:sldId id="259"/>
+            <p14:sldId id="265"/>
+            <p14:sldId id="262"/>
+            <p14:sldId id="261"/>
+            <p14:sldId id="263"/>
+            <p14:sldId id="264"/>
+            <p14:sldId id="266"/>
+          </p14:sldIdLst>
+        </p14:section>
+        <p14:section name="Ende" id="{F024CC3A-B43D-429D-B36E-7ED46A977FAF}">
+          <p14:sldIdLst>
+            <p14:sldId id="260"/>
+          </p14:sldIdLst>
+        </p14:section>
+      </p14:sectionLst>
+    </p:ext>
+    <p:ext uri="{EFAFB233-063F-42B5-8137-9DF3F51BA10A}">
+      <p15:sldGuideLst xmlns:p15="http://schemas.microsoft.com/office/powerpoint/2012/main"/>
+    </p:ext>
+  </p:extLst>
 </p:presentation>
 </file>
 
@@ -276,7 +311,7 @@
           <a:p>
             <a:fld id="{361D8157-8C18-4BAF-969B-856635A287DF}" type="datetimeFigureOut">
               <a:rPr lang="de-DE" smtClean="0"/>
-              <a:t>28.06.2021</a:t>
+              <a:t>01.07.2021</a:t>
             </a:fld>
             <a:endParaRPr lang="de-DE"/>
           </a:p>
@@ -557,7 +592,7 @@
           <a:p>
             <a:fld id="{361D8157-8C18-4BAF-969B-856635A287DF}" type="datetimeFigureOut">
               <a:rPr lang="de-DE" smtClean="0"/>
-              <a:t>28.06.2021</a:t>
+              <a:t>01.07.2021</a:t>
             </a:fld>
             <a:endParaRPr lang="de-DE"/>
           </a:p>
@@ -749,7 +784,7 @@
           <a:p>
             <a:fld id="{361D8157-8C18-4BAF-969B-856635A287DF}" type="datetimeFigureOut">
               <a:rPr lang="de-DE" smtClean="0"/>
-              <a:t>28.06.2021</a:t>
+              <a:t>01.07.2021</a:t>
             </a:fld>
             <a:endParaRPr lang="de-DE"/>
           </a:p>
@@ -1010,7 +1045,7 @@
           <a:p>
             <a:fld id="{361D8157-8C18-4BAF-969B-856635A287DF}" type="datetimeFigureOut">
               <a:rPr lang="de-DE" smtClean="0"/>
-              <a:t>28.06.2021</a:t>
+              <a:t>01.07.2021</a:t>
             </a:fld>
             <a:endParaRPr lang="de-DE"/>
           </a:p>
@@ -1436,7 +1471,7 @@
           <a:p>
             <a:fld id="{361D8157-8C18-4BAF-969B-856635A287DF}" type="datetimeFigureOut">
               <a:rPr lang="de-DE" smtClean="0"/>
-              <a:t>28.06.2021</a:t>
+              <a:t>01.07.2021</a:t>
             </a:fld>
             <a:endParaRPr lang="de-DE"/>
           </a:p>
@@ -1982,7 +2017,7 @@
           <a:p>
             <a:fld id="{361D8157-8C18-4BAF-969B-856635A287DF}" type="datetimeFigureOut">
               <a:rPr lang="de-DE" smtClean="0"/>
-              <a:t>28.06.2021</a:t>
+              <a:t>01.07.2021</a:t>
             </a:fld>
             <a:endParaRPr lang="de-DE"/>
           </a:p>
@@ -2813,7 +2848,7 @@
           <a:p>
             <a:fld id="{361D8157-8C18-4BAF-969B-856635A287DF}" type="datetimeFigureOut">
               <a:rPr lang="de-DE" smtClean="0"/>
-              <a:t>28.06.2021</a:t>
+              <a:t>01.07.2021</a:t>
             </a:fld>
             <a:endParaRPr lang="de-DE"/>
           </a:p>
@@ -2983,7 +3018,7 @@
           <a:p>
             <a:fld id="{361D8157-8C18-4BAF-969B-856635A287DF}" type="datetimeFigureOut">
               <a:rPr lang="de-DE" smtClean="0"/>
-              <a:t>28.06.2021</a:t>
+              <a:t>01.07.2021</a:t>
             </a:fld>
             <a:endParaRPr lang="de-DE"/>
           </a:p>
@@ -3163,7 +3198,7 @@
           <a:p>
             <a:fld id="{361D8157-8C18-4BAF-969B-856635A287DF}" type="datetimeFigureOut">
               <a:rPr lang="de-DE" smtClean="0"/>
-              <a:t>28.06.2021</a:t>
+              <a:t>01.07.2021</a:t>
             </a:fld>
             <a:endParaRPr lang="de-DE"/>
           </a:p>
@@ -3333,7 +3368,7 @@
           <a:p>
             <a:fld id="{361D8157-8C18-4BAF-969B-856635A287DF}" type="datetimeFigureOut">
               <a:rPr lang="de-DE" smtClean="0"/>
-              <a:t>28.06.2021</a:t>
+              <a:t>01.07.2021</a:t>
             </a:fld>
             <a:endParaRPr lang="de-DE"/>
           </a:p>
@@ -3590,7 +3625,7 @@
           <a:p>
             <a:fld id="{361D8157-8C18-4BAF-969B-856635A287DF}" type="datetimeFigureOut">
               <a:rPr lang="de-DE" smtClean="0"/>
-              <a:t>28.06.2021</a:t>
+              <a:t>01.07.2021</a:t>
             </a:fld>
             <a:endParaRPr lang="de-DE"/>
           </a:p>
@@ -3822,7 +3857,7 @@
           <a:p>
             <a:fld id="{361D8157-8C18-4BAF-969B-856635A287DF}" type="datetimeFigureOut">
               <a:rPr lang="de-DE" smtClean="0"/>
-              <a:t>28.06.2021</a:t>
+              <a:t>01.07.2021</a:t>
             </a:fld>
             <a:endParaRPr lang="de-DE"/>
           </a:p>
@@ -4215,7 +4250,7 @@
           <a:p>
             <a:fld id="{361D8157-8C18-4BAF-969B-856635A287DF}" type="datetimeFigureOut">
               <a:rPr lang="de-DE" smtClean="0"/>
-              <a:t>28.06.2021</a:t>
+              <a:t>01.07.2021</a:t>
             </a:fld>
             <a:endParaRPr lang="de-DE"/>
           </a:p>
@@ -4333,7 +4368,7 @@
           <a:p>
             <a:fld id="{361D8157-8C18-4BAF-969B-856635A287DF}" type="datetimeFigureOut">
               <a:rPr lang="de-DE" smtClean="0"/>
-              <a:t>28.06.2021</a:t>
+              <a:t>01.07.2021</a:t>
             </a:fld>
             <a:endParaRPr lang="de-DE"/>
           </a:p>
@@ -4428,7 +4463,7 @@
           <a:p>
             <a:fld id="{361D8157-8C18-4BAF-969B-856635A287DF}" type="datetimeFigureOut">
               <a:rPr lang="de-DE" smtClean="0"/>
-              <a:t>28.06.2021</a:t>
+              <a:t>01.07.2021</a:t>
             </a:fld>
             <a:endParaRPr lang="de-DE"/>
           </a:p>
@@ -4701,7 +4736,7 @@
           <a:p>
             <a:fld id="{361D8157-8C18-4BAF-969B-856635A287DF}" type="datetimeFigureOut">
               <a:rPr lang="de-DE" smtClean="0"/>
-              <a:t>28.06.2021</a:t>
+              <a:t>01.07.2021</a:t>
             </a:fld>
             <a:endParaRPr lang="de-DE"/>
           </a:p>
@@ -4982,7 +5017,7 @@
           <a:p>
             <a:fld id="{361D8157-8C18-4BAF-969B-856635A287DF}" type="datetimeFigureOut">
               <a:rPr lang="de-DE" smtClean="0"/>
-              <a:t>28.06.2021</a:t>
+              <a:t>01.07.2021</a:t>
             </a:fld>
             <a:endParaRPr lang="de-DE"/>
           </a:p>
@@ -5222,7 +5257,7 @@
           <a:p>
             <a:fld id="{361D8157-8C18-4BAF-969B-856635A287DF}" type="datetimeFigureOut">
               <a:rPr lang="de-DE" smtClean="0"/>
-              <a:t>28.06.2021</a:t>
+              <a:t>01.07.2021</a:t>
             </a:fld>
             <a:endParaRPr lang="de-DE"/>
           </a:p>
@@ -5939,6 +5974,179 @@
 </p:sld>
 </file>
 
+<file path=ppt/slides/slide10.xml><?xml version="1.0" encoding="utf-8"?>
+<p:sld xmlns:a="http://schemas.openxmlformats.org/drawingml/2006/main" xmlns:r="http://schemas.openxmlformats.org/officeDocument/2006/relationships" xmlns:p="http://schemas.openxmlformats.org/presentationml/2006/main">
+  <p:cSld>
+    <p:spTree>
+      <p:nvGrpSpPr>
+        <p:cNvPr id="1" name=""/>
+        <p:cNvGrpSpPr/>
+        <p:nvPr/>
+      </p:nvGrpSpPr>
+      <p:grpSpPr>
+        <a:xfrm>
+          <a:off x="0" y="0"/>
+          <a:ext cx="0" cy="0"/>
+          <a:chOff x="0" y="0"/>
+          <a:chExt cx="0" cy="0"/>
+        </a:xfrm>
+      </p:grpSpPr>
+      <p:sp>
+        <p:nvSpPr>
+          <p:cNvPr id="2" name="Titel 1"/>
+          <p:cNvSpPr>
+            <a:spLocks noGrp="1"/>
+          </p:cNvSpPr>
+          <p:nvPr>
+            <p:ph type="title"/>
+          </p:nvPr>
+        </p:nvSpPr>
+        <p:spPr/>
+        <p:txBody>
+          <a:bodyPr/>
+          <a:lstStyle/>
+          <a:p>
+            <a:r>
+              <a:rPr lang="de-DE" dirty="0" smtClean="0"/>
+              <a:t>Bonus</a:t>
+            </a:r>
+            <a:endParaRPr lang="de-DE" dirty="0"/>
+          </a:p>
+        </p:txBody>
+      </p:sp>
+      <p:sp>
+        <p:nvSpPr>
+          <p:cNvPr id="3" name="Inhaltsplatzhalter 2"/>
+          <p:cNvSpPr>
+            <a:spLocks noGrp="1"/>
+          </p:cNvSpPr>
+          <p:nvPr>
+            <p:ph idx="1"/>
+          </p:nvPr>
+        </p:nvSpPr>
+        <p:spPr/>
+        <p:txBody>
+          <a:bodyPr/>
+          <a:lstStyle/>
+          <a:p>
+            <a:r>
+              <a:rPr lang="de-DE" dirty="0" smtClean="0"/>
+              <a:t>*</a:t>
+            </a:r>
+            <a:r>
+              <a:rPr lang="de-DE" dirty="0" err="1" smtClean="0"/>
+              <a:t>tests</a:t>
+            </a:r>
+            <a:r>
+              <a:rPr lang="de-DE" dirty="0" smtClean="0"/>
+              <a:t>*</a:t>
+            </a:r>
+          </a:p>
+          <a:p>
+            <a:r>
+              <a:rPr lang="de-DE" dirty="0" smtClean="0"/>
+              <a:t>*Colorprinter*</a:t>
+            </a:r>
+            <a:endParaRPr lang="de-DE" dirty="0"/>
+          </a:p>
+        </p:txBody>
+      </p:sp>
+    </p:spTree>
+    <p:extLst>
+      <p:ext uri="{BB962C8B-B14F-4D97-AF65-F5344CB8AC3E}">
+        <p14:creationId xmlns:p14="http://schemas.microsoft.com/office/powerpoint/2010/main" val="2451485403"/>
+      </p:ext>
+    </p:extLst>
+  </p:cSld>
+  <p:clrMapOvr>
+    <a:masterClrMapping/>
+  </p:clrMapOvr>
+</p:sld>
+</file>
+
+<file path=ppt/slides/slide11.xml><?xml version="1.0" encoding="utf-8"?>
+<p:sld xmlns:a="http://schemas.openxmlformats.org/drawingml/2006/main" xmlns:r="http://schemas.openxmlformats.org/officeDocument/2006/relationships" xmlns:p="http://schemas.openxmlformats.org/presentationml/2006/main">
+  <p:cSld>
+    <p:spTree>
+      <p:nvGrpSpPr>
+        <p:cNvPr id="1" name=""/>
+        <p:cNvGrpSpPr/>
+        <p:nvPr/>
+      </p:nvGrpSpPr>
+      <p:grpSpPr>
+        <a:xfrm>
+          <a:off x="0" y="0"/>
+          <a:ext cx="0" cy="0"/>
+          <a:chOff x="0" y="0"/>
+          <a:chExt cx="0" cy="0"/>
+        </a:xfrm>
+      </p:grpSpPr>
+      <p:sp>
+        <p:nvSpPr>
+          <p:cNvPr id="7" name="Titel 6"/>
+          <p:cNvSpPr>
+            <a:spLocks noGrp="1"/>
+          </p:cNvSpPr>
+          <p:nvPr>
+            <p:ph type="title"/>
+          </p:nvPr>
+        </p:nvSpPr>
+        <p:spPr/>
+        <p:txBody>
+          <a:bodyPr/>
+          <a:lstStyle/>
+          <a:p>
+            <a:r>
+              <a:rPr lang="de-DE" dirty="0" smtClean="0"/>
+              <a:t>Vielen Dank für Ihre </a:t>
+            </a:r>
+            <a:r>
+              <a:rPr lang="de-DE" dirty="0" err="1" smtClean="0"/>
+              <a:t>Aufmersamkeit</a:t>
+            </a:r>
+            <a:endParaRPr lang="de-DE" dirty="0"/>
+          </a:p>
+        </p:txBody>
+      </p:sp>
+      <p:sp>
+        <p:nvSpPr>
+          <p:cNvPr id="8" name="Textplatzhalter 7"/>
+          <p:cNvSpPr>
+            <a:spLocks noGrp="1"/>
+          </p:cNvSpPr>
+          <p:nvPr>
+            <p:ph type="body" sz="half" idx="2"/>
+          </p:nvPr>
+        </p:nvSpPr>
+        <p:spPr/>
+        <p:txBody>
+          <a:bodyPr/>
+          <a:lstStyle/>
+          <a:p>
+            <a:endParaRPr lang="de-DE"/>
+          </a:p>
+        </p:txBody>
+      </p:sp>
+    </p:spTree>
+    <p:extLst>
+      <p:ext uri="{BB962C8B-B14F-4D97-AF65-F5344CB8AC3E}">
+        <p14:creationId xmlns:p14="http://schemas.microsoft.com/office/powerpoint/2010/main" val="2541851220"/>
+      </p:ext>
+    </p:extLst>
+  </p:cSld>
+  <p:clrMapOvr>
+    <a:masterClrMapping/>
+  </p:clrMapOvr>
+  <p:timing>
+    <p:tnLst>
+      <p:par>
+        <p:cTn id="1" dur="indefinite" restart="never" nodeType="tmRoot"/>
+      </p:par>
+    </p:tnLst>
+  </p:timing>
+</p:sld>
+</file>
+
 <file path=ppt/slides/slide2.xml><?xml version="1.0" encoding="utf-8"?>
 <p:sld xmlns:a="http://schemas.openxmlformats.org/drawingml/2006/main" xmlns:r="http://schemas.openxmlformats.org/officeDocument/2006/relationships" xmlns:p="http://schemas.openxmlformats.org/presentationml/2006/main">
   <p:cSld>
@@ -6004,9 +6212,58 @@
           <a:p>
             <a:r>
               <a:rPr lang="de-DE" dirty="0" smtClean="0"/>
-              <a:t>*Erklären worum es geht, nicht zu genau, alle wissen es ja*</a:t>
-            </a:r>
-            <a:endParaRPr lang="de-DE" dirty="0"/>
+              <a:t>*Erklären worum es geht, nicht zu genau, alle wissen es ja</a:t>
+            </a:r>
+            <a:r>
+              <a:rPr lang="de-DE" dirty="0" smtClean="0"/>
+              <a:t>*</a:t>
+            </a:r>
+            <a:br>
+              <a:rPr lang="de-DE" dirty="0" smtClean="0"/>
+            </a:br>
+            <a:r>
+              <a:rPr lang="de-DE" dirty="0" smtClean="0"/>
+              <a:t>*Wie haben wir im Team gearbeitet?*</a:t>
+            </a:r>
+          </a:p>
+          <a:p>
+            <a:r>
+              <a:rPr lang="de-DE" dirty="0" smtClean="0"/>
+              <a:t>*Grobe </a:t>
+            </a:r>
+            <a:r>
+              <a:rPr lang="de-DE" dirty="0" err="1" smtClean="0"/>
+              <a:t>stuktur</a:t>
+            </a:r>
+            <a:r>
+              <a:rPr lang="de-DE" dirty="0" smtClean="0"/>
+              <a:t>*</a:t>
+            </a:r>
+          </a:p>
+          <a:p>
+            <a:r>
+              <a:rPr lang="de-DE" dirty="0" smtClean="0"/>
+              <a:t>*Doku </a:t>
+            </a:r>
+            <a:r>
+              <a:rPr lang="de-DE" dirty="0" err="1" smtClean="0"/>
+              <a:t>ertsellung</a:t>
+            </a:r>
+            <a:r>
+              <a:rPr lang="de-DE" dirty="0" smtClean="0"/>
+              <a:t> am </a:t>
+            </a:r>
+            <a:r>
+              <a:rPr lang="de-DE" dirty="0" err="1" smtClean="0"/>
+              <a:t>anfang</a:t>
+            </a:r>
+            <a:r>
+              <a:rPr lang="de-DE" dirty="0" smtClean="0"/>
+              <a:t>*</a:t>
+            </a:r>
+          </a:p>
+          <a:p>
+            <a:endParaRPr lang="de-DE" dirty="0" smtClean="0"/>
           </a:p>
         </p:txBody>
       </p:sp>
@@ -6280,187 +6537,69 @@
         </p:nvSpPr>
         <p:spPr/>
         <p:txBody>
-          <a:bodyPr>
-            <a:normAutofit fontScale="90000"/>
-          </a:bodyPr>
-          <a:lstStyle/>
-          <a:p>
-            <a:r>
-              <a:rPr lang="de-DE" dirty="0" smtClean="0"/>
-              <a:t>Code Beispiel</a:t>
-            </a:r>
-            <a:br>
-              <a:rPr lang="de-DE" dirty="0" smtClean="0"/>
-            </a:br>
-            <a:r>
-              <a:rPr lang="de-DE" dirty="0" err="1" smtClean="0"/>
-              <a:t>Asyncroner</a:t>
-            </a:r>
-            <a:r>
-              <a:rPr lang="de-DE" dirty="0" smtClean="0"/>
-              <a:t> Schutz (</a:t>
-            </a:r>
-            <a:r>
-              <a:rPr lang="de-DE" dirty="0" err="1" smtClean="0"/>
-              <a:t>Semapthore</a:t>
-            </a:r>
-            <a:r>
-              <a:rPr lang="de-DE" dirty="0" err="1"/>
-              <a:t>n</a:t>
-            </a:r>
-            <a:r>
-              <a:rPr lang="de-DE" dirty="0" smtClean="0"/>
-              <a:t>)</a:t>
+          <a:bodyPr/>
+          <a:lstStyle/>
+          <a:p>
+            <a:r>
+              <a:rPr lang="de-DE" dirty="0" smtClean="0"/>
+              <a:t>Threads</a:t>
             </a:r>
             <a:endParaRPr lang="de-DE" dirty="0"/>
           </a:p>
         </p:txBody>
       </p:sp>
-      <p:sp>
-        <p:nvSpPr>
-          <p:cNvPr id="3" name="Inhaltsplatzhalter 2"/>
-          <p:cNvSpPr>
-            <a:spLocks noGrp="1"/>
-          </p:cNvSpPr>
+      <p:pic>
+        <p:nvPicPr>
+          <p:cNvPr id="4" name="Inhaltsplatzhalter 3"/>
+          <p:cNvPicPr>
+            <a:picLocks noGrp="1" noChangeAspect="1"/>
+          </p:cNvPicPr>
           <p:nvPr>
             <p:ph idx="1"/>
           </p:nvPr>
-        </p:nvSpPr>
-        <p:spPr/>
-        <p:txBody>
-          <a:bodyPr/>
-          <a:lstStyle/>
-          <a:p>
-            <a:r>
-              <a:rPr lang="de-DE" dirty="0" smtClean="0"/>
-              <a:t>Erstellung am </a:t>
-            </a:r>
-            <a:r>
-              <a:rPr lang="de-DE" dirty="0" err="1" smtClean="0"/>
-              <a:t>anfang</a:t>
-            </a:r>
-            <a:r>
-              <a:rPr lang="de-DE" dirty="0" smtClean="0"/>
-              <a:t> der </a:t>
-            </a:r>
-            <a:r>
-              <a:rPr lang="de-DE" dirty="0" err="1" smtClean="0"/>
-              <a:t>main</a:t>
-            </a:r>
-            <a:r>
-              <a:rPr lang="de-DE" dirty="0" smtClean="0"/>
-              <a:t> </a:t>
-            </a:r>
-            <a:r>
-              <a:rPr lang="de-DE" dirty="0"/>
-              <a:t>(kein </a:t>
-            </a:r>
-            <a:r>
-              <a:rPr lang="de-DE" dirty="0" err="1"/>
-              <a:t>bild</a:t>
-            </a:r>
-            <a:r>
-              <a:rPr lang="de-DE" dirty="0"/>
-              <a:t>)</a:t>
-            </a:r>
-          </a:p>
-          <a:p>
-            <a:endParaRPr lang="de-DE" dirty="0"/>
-          </a:p>
-          <a:p>
-            <a:r>
-              <a:rPr lang="de-DE" dirty="0" smtClean="0"/>
-              <a:t>*</a:t>
-            </a:r>
-            <a:r>
-              <a:rPr lang="de-DE" dirty="0" err="1" smtClean="0"/>
-              <a:t>bild</a:t>
-            </a:r>
-            <a:r>
-              <a:rPr lang="de-DE" dirty="0" smtClean="0"/>
-              <a:t> wo die benutzt werden </a:t>
-            </a:r>
-          </a:p>
-          <a:p>
-            <a:r>
-              <a:rPr lang="de-DE" dirty="0" smtClean="0"/>
-              <a:t>(in </a:t>
-            </a:r>
-            <a:r>
-              <a:rPr lang="de-DE" dirty="0" err="1" smtClean="0"/>
-              <a:t>main.c</a:t>
-            </a:r>
-            <a:r>
-              <a:rPr lang="de-DE" dirty="0" smtClean="0"/>
-              <a:t> </a:t>
-            </a:r>
-            <a:r>
-              <a:rPr lang="de-DE" dirty="0" err="1" smtClean="0"/>
-              <a:t>OnRemoteClientMessage</a:t>
-            </a:r>
-            <a:r>
-              <a:rPr lang="de-DE" dirty="0" smtClean="0"/>
-              <a:t>())*</a:t>
-            </a:r>
-          </a:p>
-          <a:p>
-            <a:endParaRPr lang="de-DE" dirty="0"/>
-          </a:p>
-          <a:p>
-            <a:r>
-              <a:rPr lang="de-DE" dirty="0"/>
-              <a:t>Zerstörung am </a:t>
-            </a:r>
-            <a:r>
-              <a:rPr lang="de-DE" dirty="0" smtClean="0"/>
-              <a:t>ende des </a:t>
-            </a:r>
-            <a:r>
-              <a:rPr lang="de-DE" dirty="0" err="1" smtClean="0"/>
-              <a:t>programms</a:t>
-            </a:r>
-            <a:r>
-              <a:rPr lang="de-DE" dirty="0" smtClean="0"/>
-              <a:t> (kein </a:t>
-            </a:r>
-            <a:r>
-              <a:rPr lang="de-DE" dirty="0" err="1" smtClean="0"/>
-              <a:t>bild</a:t>
-            </a:r>
-            <a:r>
-              <a:rPr lang="de-DE" dirty="0" smtClean="0"/>
-              <a:t>)</a:t>
-            </a:r>
-            <a:endParaRPr lang="de-DE" dirty="0"/>
-          </a:p>
-          <a:p>
-            <a:endParaRPr lang="de-DE" dirty="0" smtClean="0"/>
-          </a:p>
-          <a:p>
-            <a:endParaRPr lang="de-DE" dirty="0"/>
-          </a:p>
-          <a:p>
-            <a:endParaRPr lang="de-DE" dirty="0"/>
-          </a:p>
-        </p:txBody>
-      </p:sp>
+        </p:nvPicPr>
+        <p:blipFill>
+          <a:blip r:embed="rId2">
+            <a:extLst>
+              <a:ext uri="{28A0092B-C50C-407E-A947-70E740481C1C}">
+                <a14:useLocalDpi xmlns:a14="http://schemas.microsoft.com/office/drawing/2010/main" val="0"/>
+              </a:ext>
+            </a:extLst>
+          </a:blip>
+          <a:stretch>
+            <a:fillRect/>
+          </a:stretch>
+        </p:blipFill>
+        <p:spPr>
+          <a:xfrm>
+            <a:off x="1994339" y="1603010"/>
+            <a:ext cx="7797267" cy="4629132"/>
+          </a:xfrm>
+          <a:prstGeom prst="rect">
+            <a:avLst/>
+          </a:prstGeom>
+          <a:ln>
+            <a:noFill/>
+          </a:ln>
+          <a:effectLst>
+            <a:outerShdw blurRad="292100" dist="139700" dir="2700000" algn="tl" rotWithShape="0">
+              <a:srgbClr val="333333">
+                <a:alpha val="65000"/>
+              </a:srgbClr>
+            </a:outerShdw>
+          </a:effectLst>
+        </p:spPr>
+      </p:pic>
     </p:spTree>
     <p:extLst>
       <p:ext uri="{BB962C8B-B14F-4D97-AF65-F5344CB8AC3E}">
-        <p14:creationId xmlns:p14="http://schemas.microsoft.com/office/powerpoint/2010/main" val="1646486569"/>
+        <p14:creationId xmlns:p14="http://schemas.microsoft.com/office/powerpoint/2010/main" val="3105148056"/>
       </p:ext>
     </p:extLst>
   </p:cSld>
   <p:clrMapOvr>
     <a:masterClrMapping/>
   </p:clrMapOvr>
-  <p:timing>
-    <p:tnLst>
-      <p:par>
-        <p:cTn id="1" dur="indefinite" restart="never" nodeType="tmRoot"/>
-      </p:par>
-    </p:tnLst>
-  </p:timing>
 </p:sld>
 </file>
 
@@ -6506,8 +6645,24 @@
               <a:rPr lang="de-DE" dirty="0" smtClean="0"/>
             </a:br>
             <a:r>
-              <a:rPr lang="de-DE" dirty="0" smtClean="0"/>
-              <a:t>Befehl Handeln von PUT, GET und DEL</a:t>
+              <a:rPr lang="de-DE" dirty="0" err="1" smtClean="0"/>
+              <a:t>Asyncroner</a:t>
+            </a:r>
+            <a:r>
+              <a:rPr lang="de-DE" dirty="0" smtClean="0"/>
+              <a:t> Schutz (</a:t>
+            </a:r>
+            <a:r>
+              <a:rPr lang="de-DE" dirty="0" err="1" smtClean="0"/>
+              <a:t>Semapthore</a:t>
+            </a:r>
+            <a:r>
+              <a:rPr lang="de-DE" dirty="0" err="1"/>
+              <a:t>n</a:t>
+            </a:r>
+            <a:r>
+              <a:rPr lang="de-DE" dirty="0" smtClean="0"/>
+              <a:t>)</a:t>
             </a:r>
             <a:endParaRPr lang="de-DE" dirty="0"/>
           </a:p>
@@ -6530,58 +6685,113 @@
           <a:p>
             <a:r>
               <a:rPr lang="de-DE" dirty="0" smtClean="0"/>
-              <a:t>PUT schreibt ja einfach</a:t>
-            </a:r>
-          </a:p>
-          <a:p>
-            <a:r>
-              <a:rPr lang="de-DE" dirty="0" smtClean="0"/>
-              <a:t>GET ließt</a:t>
-            </a:r>
-          </a:p>
-          <a:p>
-            <a:r>
-              <a:rPr lang="de-DE" dirty="0" smtClean="0"/>
-              <a:t>Del löscht</a:t>
-            </a:r>
-          </a:p>
-          <a:p>
-            <a:r>
-              <a:rPr lang="de-DE" dirty="0" smtClean="0"/>
-              <a:t>Fall die </a:t>
+              <a:t>Erstellung am </a:t>
             </a:r>
             <a:r>
               <a:rPr lang="de-DE" dirty="0" err="1" smtClean="0"/>
-              <a:t>datei</a:t>
-            </a:r>
-            <a:r>
-              <a:rPr lang="de-DE" dirty="0" smtClean="0"/>
-              <a:t> gelockt ist, scheitern diese </a:t>
+              <a:t>anfang</a:t>
+            </a:r>
+            <a:r>
+              <a:rPr lang="de-DE" dirty="0" smtClean="0"/>
+              <a:t> der </a:t>
             </a:r>
             <a:r>
               <a:rPr lang="de-DE" dirty="0" err="1" smtClean="0"/>
-              <a:t>funktionen</a:t>
-            </a:r>
-            <a:r>
-              <a:rPr lang="de-DE" dirty="0" smtClean="0"/>
-              <a:t> und man bekommt eine </a:t>
+              <a:t>main</a:t>
+            </a:r>
+            <a:r>
+              <a:rPr lang="de-DE" dirty="0" smtClean="0"/>
+              <a:t> </a:t>
+            </a:r>
+            <a:r>
+              <a:rPr lang="de-DE" dirty="0"/>
+              <a:t>(kein </a:t>
+            </a:r>
+            <a:r>
+              <a:rPr lang="de-DE" dirty="0" err="1"/>
+              <a:t>bild</a:t>
+            </a:r>
+            <a:r>
+              <a:rPr lang="de-DE" dirty="0"/>
+              <a:t>)</a:t>
+            </a:r>
+          </a:p>
+          <a:p>
+            <a:endParaRPr lang="de-DE" dirty="0"/>
+          </a:p>
+          <a:p>
+            <a:r>
+              <a:rPr lang="de-DE" dirty="0" smtClean="0"/>
+              <a:t>*</a:t>
             </a:r>
             <a:r>
               <a:rPr lang="de-DE" dirty="0" err="1" smtClean="0"/>
-              <a:t>fehlermelsdung</a:t>
-            </a:r>
-            <a:r>
-              <a:rPr lang="de-DE" dirty="0" smtClean="0"/>
-              <a:t> „</a:t>
+              <a:t>bild</a:t>
+            </a:r>
+            <a:r>
+              <a:rPr lang="de-DE" dirty="0" smtClean="0"/>
+              <a:t> wo die benutzt werden </a:t>
+            </a:r>
+          </a:p>
+          <a:p>
+            <a:r>
+              <a:rPr lang="de-DE" dirty="0" smtClean="0"/>
+              <a:t>(in </a:t>
             </a:r>
             <a:r>
               <a:rPr lang="de-DE" dirty="0" err="1" smtClean="0"/>
-              <a:t>datei</a:t>
-            </a:r>
-            <a:r>
-              <a:rPr lang="de-DE" dirty="0" smtClean="0"/>
-              <a:t> gesperrt“</a:t>
-            </a:r>
+              <a:t>main.c</a:t>
+            </a:r>
+            <a:r>
+              <a:rPr lang="de-DE" dirty="0" smtClean="0"/>
+              <a:t> </a:t>
+            </a:r>
+            <a:r>
+              <a:rPr lang="de-DE" dirty="0" err="1" smtClean="0"/>
+              <a:t>OnRemoteClientMessage</a:t>
+            </a:r>
+            <a:r>
+              <a:rPr lang="de-DE" dirty="0" smtClean="0"/>
+              <a:t>())*</a:t>
+            </a:r>
+          </a:p>
+          <a:p>
+            <a:endParaRPr lang="de-DE" dirty="0"/>
+          </a:p>
+          <a:p>
+            <a:r>
+              <a:rPr lang="de-DE" dirty="0"/>
+              <a:t>Zerstörung am </a:t>
+            </a:r>
+            <a:r>
+              <a:rPr lang="de-DE" dirty="0" smtClean="0"/>
+              <a:t>ende des </a:t>
+            </a:r>
+            <a:r>
+              <a:rPr lang="de-DE" dirty="0" err="1" smtClean="0"/>
+              <a:t>programms</a:t>
+            </a:r>
+            <a:r>
+              <a:rPr lang="de-DE" dirty="0" smtClean="0"/>
+              <a:t> (kein </a:t>
+            </a:r>
+            <a:r>
+              <a:rPr lang="de-DE" dirty="0" err="1" smtClean="0"/>
+              <a:t>bild</a:t>
+            </a:r>
+            <a:r>
+              <a:rPr lang="de-DE" dirty="0" smtClean="0"/>
+              <a:t>)</a:t>
+            </a:r>
+            <a:endParaRPr lang="de-DE" dirty="0"/>
+          </a:p>
+          <a:p>
+            <a:endParaRPr lang="de-DE" dirty="0" smtClean="0"/>
+          </a:p>
+          <a:p>
+            <a:endParaRPr lang="de-DE" dirty="0"/>
+          </a:p>
+          <a:p>
             <a:endParaRPr lang="de-DE" dirty="0"/>
           </a:p>
         </p:txBody>
@@ -6589,7 +6799,7 @@
     </p:spTree>
     <p:extLst>
       <p:ext uri="{BB962C8B-B14F-4D97-AF65-F5344CB8AC3E}">
-        <p14:creationId xmlns:p14="http://schemas.microsoft.com/office/powerpoint/2010/main" val="194415547"/>
+        <p14:creationId xmlns:p14="http://schemas.microsoft.com/office/powerpoint/2010/main" val="1646486569"/>
       </p:ext>
     </p:extLst>
   </p:cSld>
@@ -6649,7 +6859,7 @@
             </a:br>
             <a:r>
               <a:rPr lang="de-DE" dirty="0" smtClean="0"/>
-              <a:t>Befehl Handeln von BEG, END, SUB</a:t>
+              <a:t>Befehl Handeln von PUT, GET und DEL</a:t>
             </a:r>
             <a:endParaRPr lang="de-DE" dirty="0"/>
           </a:p>
@@ -6672,39 +6882,25 @@
           <a:p>
             <a:r>
               <a:rPr lang="de-DE" dirty="0" smtClean="0"/>
-              <a:t>Wir schieben ja die </a:t>
-            </a:r>
-            <a:r>
-              <a:rPr lang="de-DE" dirty="0" err="1" smtClean="0"/>
-              <a:t>SocketIDs</a:t>
-            </a:r>
-            <a:r>
-              <a:rPr lang="de-DE" dirty="0" smtClean="0"/>
-              <a:t> in eine Datei, die benutzen wir als „User“ *</a:t>
-            </a:r>
-            <a:r>
-              <a:rPr lang="de-DE" dirty="0" err="1" smtClean="0"/>
-              <a:t>bild</a:t>
-            </a:r>
-            <a:r>
-              <a:rPr lang="de-DE" dirty="0" smtClean="0"/>
-              <a:t> von einer </a:t>
-            </a:r>
-            <a:r>
-              <a:rPr lang="de-DE" dirty="0" err="1" smtClean="0"/>
-              <a:t>lck</a:t>
-            </a:r>
-            <a:r>
-              <a:rPr lang="de-DE" dirty="0" smtClean="0"/>
-              <a:t> und </a:t>
-            </a:r>
-            <a:r>
-              <a:rPr lang="de-DE" dirty="0" err="1" smtClean="0"/>
-              <a:t>sub</a:t>
-            </a:r>
-            <a:r>
-              <a:rPr lang="de-DE" dirty="0" smtClean="0"/>
-              <a:t> </a:t>
+              <a:t>PUT schreibt ja einfach</a:t>
+            </a:r>
+          </a:p>
+          <a:p>
+            <a:r>
+              <a:rPr lang="de-DE" dirty="0" smtClean="0"/>
+              <a:t>GET ließt</a:t>
+            </a:r>
+          </a:p>
+          <a:p>
+            <a:r>
+              <a:rPr lang="de-DE" dirty="0" smtClean="0"/>
+              <a:t>Del löscht</a:t>
+            </a:r>
+          </a:p>
+          <a:p>
+            <a:r>
+              <a:rPr lang="de-DE" dirty="0" smtClean="0"/>
+              <a:t>Fall die </a:t>
             </a:r>
             <a:r>
               <a:rPr lang="de-DE" dirty="0" err="1" smtClean="0"/>
@@ -6712,37 +6908,23 @@
             </a:r>
             <a:r>
               <a:rPr lang="de-DE" dirty="0" smtClean="0"/>
-              <a:t>*</a:t>
-            </a:r>
-          </a:p>
-          <a:p>
+              <a:t> gelockt ist, scheitern diese </a:t>
+            </a:r>
             <a:r>
               <a:rPr lang="de-DE" dirty="0" err="1" smtClean="0"/>
-              <a:t>OnDisconnect</a:t>
-            </a:r>
-            <a:r>
-              <a:rPr lang="de-DE" dirty="0" smtClean="0"/>
-              <a:t> wird die dann automatisch aus allen </a:t>
+              <a:t>funktionen</a:t>
+            </a:r>
+            <a:r>
+              <a:rPr lang="de-DE" dirty="0" smtClean="0"/>
+              <a:t> und man bekommt eine </a:t>
             </a:r>
             <a:r>
               <a:rPr lang="de-DE" dirty="0" err="1" smtClean="0"/>
-              <a:t>daten</a:t>
-            </a:r>
-            <a:r>
-              <a:rPr lang="de-DE" dirty="0" smtClean="0"/>
-              <a:t> entfernt. Damit keine toten-blockaden </a:t>
-            </a:r>
-            <a:r>
-              <a:rPr lang="de-DE" dirty="0" err="1" smtClean="0"/>
-              <a:t>enstehen</a:t>
-            </a:r>
-            <a:r>
-              <a:rPr lang="de-DE" dirty="0"/>
-              <a:t> </a:t>
-            </a:r>
-            <a:r>
-              <a:rPr lang="de-DE" dirty="0" smtClean="0"/>
-              <a:t>(lock </a:t>
+              <a:t>fehlermelsdung</a:t>
+            </a:r>
+            <a:r>
+              <a:rPr lang="de-DE" dirty="0" smtClean="0"/>
+              <a:t> „</a:t>
             </a:r>
             <a:r>
               <a:rPr lang="de-DE" dirty="0" err="1" smtClean="0"/>
@@ -6750,18 +6932,8 @@
             </a:r>
             <a:r>
               <a:rPr lang="de-DE" dirty="0" smtClean="0"/>
-              <a:t> ohne aktiven </a:t>
-            </a:r>
-            <a:r>
-              <a:rPr lang="de-DE" dirty="0" err="1" smtClean="0"/>
-              <a:t>user</a:t>
-            </a:r>
-            <a:r>
-              <a:rPr lang="de-DE" dirty="0" smtClean="0"/>
-              <a:t> der sie entsperren kann)</a:t>
-            </a:r>
-          </a:p>
-          <a:p>
+              <a:t> gesperrt“</a:t>
+            </a:r>
             <a:endParaRPr lang="de-DE" dirty="0"/>
           </a:p>
         </p:txBody>
@@ -6769,7 +6941,7 @@
     </p:spTree>
     <p:extLst>
       <p:ext uri="{BB962C8B-B14F-4D97-AF65-F5344CB8AC3E}">
-        <p14:creationId xmlns:p14="http://schemas.microsoft.com/office/powerpoint/2010/main" val="3543285776"/>
+        <p14:creationId xmlns:p14="http://schemas.microsoft.com/office/powerpoint/2010/main" val="194415547"/>
       </p:ext>
     </p:extLst>
   </p:cSld>
@@ -6805,7 +6977,7 @@
       </p:grpSpPr>
       <p:sp>
         <p:nvSpPr>
-          <p:cNvPr id="7" name="Titel 6"/>
+          <p:cNvPr id="2" name="Titel 1"/>
           <p:cNvSpPr>
             <a:spLocks noGrp="1"/>
           </p:cNvSpPr>
@@ -6815,44 +6987,141 @@
         </p:nvSpPr>
         <p:spPr/>
         <p:txBody>
-          <a:bodyPr/>
-          <a:lstStyle/>
-          <a:p>
-            <a:r>
-              <a:rPr lang="de-DE" dirty="0" smtClean="0"/>
-              <a:t>Vielen Dank für Ihre </a:t>
+          <a:bodyPr>
+            <a:normAutofit fontScale="90000"/>
+          </a:bodyPr>
+          <a:lstStyle/>
+          <a:p>
+            <a:r>
+              <a:rPr lang="de-DE" dirty="0" smtClean="0"/>
+              <a:t>Code Beispiel</a:t>
+            </a:r>
+            <a:br>
+              <a:rPr lang="de-DE" dirty="0" smtClean="0"/>
+            </a:br>
+            <a:r>
+              <a:rPr lang="de-DE" dirty="0" smtClean="0"/>
+              <a:t>Befehl Handeln von BEG, END, SUB</a:t>
+            </a:r>
+            <a:endParaRPr lang="de-DE" dirty="0"/>
+          </a:p>
+        </p:txBody>
+      </p:sp>
+      <p:sp>
+        <p:nvSpPr>
+          <p:cNvPr id="3" name="Inhaltsplatzhalter 2"/>
+          <p:cNvSpPr>
+            <a:spLocks noGrp="1"/>
+          </p:cNvSpPr>
+          <p:nvPr>
+            <p:ph idx="1"/>
+          </p:nvPr>
+        </p:nvSpPr>
+        <p:spPr/>
+        <p:txBody>
+          <a:bodyPr/>
+          <a:lstStyle/>
+          <a:p>
+            <a:r>
+              <a:rPr lang="de-DE" dirty="0" smtClean="0"/>
+              <a:t>Wir schieben ja die </a:t>
             </a:r>
             <a:r>
               <a:rPr lang="de-DE" dirty="0" err="1" smtClean="0"/>
-              <a:t>Aufmersamkeit</a:t>
-            </a:r>
+              <a:t>SocketIDs</a:t>
+            </a:r>
+            <a:r>
+              <a:rPr lang="de-DE" dirty="0" smtClean="0"/>
+              <a:t> in eine Datei, die benutzen wir als „User“ *</a:t>
+            </a:r>
+            <a:r>
+              <a:rPr lang="de-DE" dirty="0" err="1" smtClean="0"/>
+              <a:t>bild</a:t>
+            </a:r>
+            <a:r>
+              <a:rPr lang="de-DE" dirty="0" smtClean="0"/>
+              <a:t> von einer </a:t>
+            </a:r>
+            <a:r>
+              <a:rPr lang="de-DE" dirty="0" err="1" smtClean="0"/>
+              <a:t>lck</a:t>
+            </a:r>
+            <a:r>
+              <a:rPr lang="de-DE" dirty="0" smtClean="0"/>
+              <a:t> und </a:t>
+            </a:r>
+            <a:r>
+              <a:rPr lang="de-DE" dirty="0" err="1" smtClean="0"/>
+              <a:t>sub</a:t>
+            </a:r>
+            <a:r>
+              <a:rPr lang="de-DE" dirty="0" smtClean="0"/>
+              <a:t> </a:t>
+            </a:r>
+            <a:r>
+              <a:rPr lang="de-DE" dirty="0" err="1" smtClean="0"/>
+              <a:t>datei</a:t>
+            </a:r>
+            <a:r>
+              <a:rPr lang="de-DE" dirty="0" smtClean="0"/>
+              <a:t>*</a:t>
+            </a:r>
+          </a:p>
+          <a:p>
+            <a:r>
+              <a:rPr lang="de-DE" dirty="0" err="1" smtClean="0"/>
+              <a:t>OnDisconnect</a:t>
+            </a:r>
+            <a:r>
+              <a:rPr lang="de-DE" dirty="0" smtClean="0"/>
+              <a:t> wird die dann automatisch aus allen </a:t>
+            </a:r>
+            <a:r>
+              <a:rPr lang="de-DE" dirty="0" err="1" smtClean="0"/>
+              <a:t>daten</a:t>
+            </a:r>
+            <a:r>
+              <a:rPr lang="de-DE" dirty="0" smtClean="0"/>
+              <a:t> entfernt. Damit keine toten-blockaden </a:t>
+            </a:r>
+            <a:r>
+              <a:rPr lang="de-DE" dirty="0" err="1" smtClean="0"/>
+              <a:t>enstehen</a:t>
+            </a:r>
+            <a:r>
+              <a:rPr lang="de-DE" dirty="0"/>
+              <a:t> </a:t>
+            </a:r>
+            <a:r>
+              <a:rPr lang="de-DE" dirty="0" smtClean="0"/>
+              <a:t>(lock </a:t>
+            </a:r>
+            <a:r>
+              <a:rPr lang="de-DE" dirty="0" err="1" smtClean="0"/>
+              <a:t>datei</a:t>
+            </a:r>
+            <a:r>
+              <a:rPr lang="de-DE" dirty="0" smtClean="0"/>
+              <a:t> ohne aktiven </a:t>
+            </a:r>
+            <a:r>
+              <a:rPr lang="de-DE" dirty="0" err="1" smtClean="0"/>
+              <a:t>user</a:t>
+            </a:r>
+            <a:r>
+              <a:rPr lang="de-DE" dirty="0" smtClean="0"/>
+              <a:t> der sie entsperren kann)</a:t>
+            </a:r>
+          </a:p>
+          <a:p>
             <a:endParaRPr lang="de-DE" dirty="0"/>
-          </a:p>
-        </p:txBody>
-      </p:sp>
-      <p:sp>
-        <p:nvSpPr>
-          <p:cNvPr id="8" name="Textplatzhalter 7"/>
-          <p:cNvSpPr>
-            <a:spLocks noGrp="1"/>
-          </p:cNvSpPr>
-          <p:nvPr>
-            <p:ph type="body" sz="half" idx="2"/>
-          </p:nvPr>
-        </p:nvSpPr>
-        <p:spPr/>
-        <p:txBody>
-          <a:bodyPr/>
-          <a:lstStyle/>
-          <a:p>
-            <a:endParaRPr lang="de-DE"/>
           </a:p>
         </p:txBody>
       </p:sp>
     </p:spTree>
     <p:extLst>
       <p:ext uri="{BB962C8B-B14F-4D97-AF65-F5344CB8AC3E}">
-        <p14:creationId xmlns:p14="http://schemas.microsoft.com/office/powerpoint/2010/main" val="2541851220"/>
+        <p14:creationId xmlns:p14="http://schemas.microsoft.com/office/powerpoint/2010/main" val="3543285776"/>
       </p:ext>
     </p:extLst>
   </p:cSld>
@@ -6866,6 +7135,91 @@
       </p:par>
     </p:tnLst>
   </p:timing>
+</p:sld>
+</file>
+
+<file path=ppt/slides/slide9.xml><?xml version="1.0" encoding="utf-8"?>
+<p:sld xmlns:a="http://schemas.openxmlformats.org/drawingml/2006/main" xmlns:r="http://schemas.openxmlformats.org/officeDocument/2006/relationships" xmlns:p="http://schemas.openxmlformats.org/presentationml/2006/main">
+  <p:cSld>
+    <p:spTree>
+      <p:nvGrpSpPr>
+        <p:cNvPr id="1" name=""/>
+        <p:cNvGrpSpPr/>
+        <p:nvPr/>
+      </p:nvGrpSpPr>
+      <p:grpSpPr>
+        <a:xfrm>
+          <a:off x="0" y="0"/>
+          <a:ext cx="0" cy="0"/>
+          <a:chOff x="0" y="0"/>
+          <a:chExt cx="0" cy="0"/>
+        </a:xfrm>
+      </p:grpSpPr>
+      <p:sp>
+        <p:nvSpPr>
+          <p:cNvPr id="2" name="Titel 1"/>
+          <p:cNvSpPr>
+            <a:spLocks noGrp="1"/>
+          </p:cNvSpPr>
+          <p:nvPr>
+            <p:ph type="title"/>
+          </p:nvPr>
+        </p:nvSpPr>
+        <p:spPr/>
+        <p:txBody>
+          <a:bodyPr>
+            <a:normAutofit fontScale="90000"/>
+          </a:bodyPr>
+          <a:lstStyle/>
+          <a:p>
+            <a:r>
+              <a:rPr lang="de-DE" dirty="0"/>
+              <a:t>Code Beispiel </a:t>
+            </a:r>
+            <a:r>
+              <a:rPr lang="de-DE" dirty="0" smtClean="0"/>
+              <a:t/>
+            </a:r>
+            <a:br>
+              <a:rPr lang="de-DE" dirty="0" smtClean="0"/>
+            </a:br>
+            <a:r>
+              <a:rPr lang="de-DE" dirty="0" smtClean="0"/>
+              <a:t>Befehl Handeln von OP</a:t>
+            </a:r>
+            <a:endParaRPr lang="de-DE" dirty="0"/>
+          </a:p>
+        </p:txBody>
+      </p:sp>
+      <p:sp>
+        <p:nvSpPr>
+          <p:cNvPr id="3" name="Inhaltsplatzhalter 2"/>
+          <p:cNvSpPr>
+            <a:spLocks noGrp="1"/>
+          </p:cNvSpPr>
+          <p:nvPr>
+            <p:ph idx="1"/>
+          </p:nvPr>
+        </p:nvSpPr>
+        <p:spPr/>
+        <p:txBody>
+          <a:bodyPr/>
+          <a:lstStyle/>
+          <a:p>
+            <a:endParaRPr lang="de-DE" dirty="0"/>
+          </a:p>
+        </p:txBody>
+      </p:sp>
+    </p:spTree>
+    <p:extLst>
+      <p:ext uri="{BB962C8B-B14F-4D97-AF65-F5344CB8AC3E}">
+        <p14:creationId xmlns:p14="http://schemas.microsoft.com/office/powerpoint/2010/main" val="261191180"/>
+      </p:ext>
+    </p:extLst>
+  </p:cSld>
+  <p:clrMapOvr>
+    <a:masterClrMapping/>
+  </p:clrMapOvr>
 </p:sld>
 </file>
 
